--- a/1821121_shimaoka_sotsuken_528.pptx
+++ b/1821121_shimaoka_sotsuken_528.pptx
@@ -633,7 +633,7 @@
           <a:bodyPr/>
           <a:lstStyle/>
           <a:p>
-            <a:fld id="{8E4A1F93-69A3-471B-8D05-15324430A4DD}" type="datetime1">
+            <a:fld id="{8C6C7C5F-18F5-4B54-8C42-F854729B27DF}" type="datetime1">
               <a:rPr kumimoji="1" lang="ja-JP" altLang="en-US" smtClean="0"/>
               <a:t>2021/5/28</a:t>
             </a:fld>
@@ -835,7 +835,7 @@
           <a:bodyPr/>
           <a:lstStyle/>
           <a:p>
-            <a:fld id="{47EC324E-2B01-4D23-82E0-3EC1C190E400}" type="datetime1">
+            <a:fld id="{8FA047B7-BB2C-4D3A-A8E4-BCCEB512AAAF}" type="datetime1">
               <a:rPr kumimoji="1" lang="ja-JP" altLang="en-US" smtClean="0"/>
               <a:t>2021/5/28</a:t>
             </a:fld>
@@ -1047,7 +1047,7 @@
           <a:bodyPr/>
           <a:lstStyle/>
           <a:p>
-            <a:fld id="{B09C661C-5EE3-4B7B-8947-29C898E7C4AC}" type="datetime1">
+            <a:fld id="{CF80C22C-2AF0-4F0A-AD7C-41D0B891B7A9}" type="datetime1">
               <a:rPr kumimoji="1" lang="ja-JP" altLang="en-US" smtClean="0"/>
               <a:t>2021/5/28</a:t>
             </a:fld>
@@ -1249,7 +1249,7 @@
           <a:bodyPr/>
           <a:lstStyle/>
           <a:p>
-            <a:fld id="{28E8E33C-4CBF-4258-9CD2-709B71F25A1F}" type="datetime1">
+            <a:fld id="{62594B83-F026-4CB8-8905-CA1C93615FC3}" type="datetime1">
               <a:rPr kumimoji="1" lang="ja-JP" altLang="en-US" smtClean="0"/>
               <a:t>2021/5/28</a:t>
             </a:fld>
@@ -1493,7 +1493,7 @@
           <a:bodyPr/>
           <a:lstStyle/>
           <a:p>
-            <a:fld id="{A01E1143-36BB-4F4B-A4A4-99763A2BE9AA}" type="datetime1">
+            <a:fld id="{C788FC87-6CF2-4F9F-B6E0-63B89DBB0743}" type="datetime1">
               <a:rPr kumimoji="1" lang="ja-JP" altLang="en-US" smtClean="0"/>
               <a:t>2021/5/28</a:t>
             </a:fld>
@@ -1789,7 +1789,7 @@
           <a:bodyPr/>
           <a:lstStyle/>
           <a:p>
-            <a:fld id="{4A6F5D2E-09FC-4A35-B791-2DDB0EF42AB8}" type="datetime1">
+            <a:fld id="{5E3CE0AD-2171-4734-A0AC-662511549EC1}" type="datetime1">
               <a:rPr kumimoji="1" lang="ja-JP" altLang="en-US" smtClean="0"/>
               <a:t>2021/5/28</a:t>
             </a:fld>
@@ -2220,7 +2220,7 @@
           <a:bodyPr/>
           <a:lstStyle/>
           <a:p>
-            <a:fld id="{C8DEB04E-9403-42AC-BAE7-0FE028A58EA7}" type="datetime1">
+            <a:fld id="{80544D4F-1AD2-4A36-B800-B99208B8C9BA}" type="datetime1">
               <a:rPr kumimoji="1" lang="ja-JP" altLang="en-US" smtClean="0"/>
               <a:t>2021/5/28</a:t>
             </a:fld>
@@ -2338,7 +2338,7 @@
           <a:bodyPr/>
           <a:lstStyle/>
           <a:p>
-            <a:fld id="{D9BEF992-FDCA-41F9-A6CD-E3A221CFA6CA}" type="datetime1">
+            <a:fld id="{3867E348-314D-465D-84AA-31D1BF6D1272}" type="datetime1">
               <a:rPr kumimoji="1" lang="ja-JP" altLang="en-US" smtClean="0"/>
               <a:t>2021/5/28</a:t>
             </a:fld>
@@ -2433,7 +2433,7 @@
           <a:bodyPr/>
           <a:lstStyle/>
           <a:p>
-            <a:fld id="{DFB6F5E9-02FB-4211-A4CE-A63C270DB93E}" type="datetime1">
+            <a:fld id="{0504E9A7-4A17-4848-A233-45BE7F03BE87}" type="datetime1">
               <a:rPr kumimoji="1" lang="ja-JP" altLang="en-US" smtClean="0"/>
               <a:t>2021/5/28</a:t>
             </a:fld>
@@ -2742,7 +2742,7 @@
           <a:bodyPr/>
           <a:lstStyle/>
           <a:p>
-            <a:fld id="{15FF5806-10DC-4FFB-B0D3-2B2071E606F8}" type="datetime1">
+            <a:fld id="{24FF13B5-8080-4369-B18E-A47C7DC1EF3C}" type="datetime1">
               <a:rPr kumimoji="1" lang="ja-JP" altLang="en-US" smtClean="0"/>
               <a:t>2021/5/28</a:t>
             </a:fld>
@@ -2999,7 +2999,7 @@
           <a:bodyPr/>
           <a:lstStyle/>
           <a:p>
-            <a:fld id="{221CC2B4-5F3D-48EB-A6D8-A1DAE6659061}" type="datetime1">
+            <a:fld id="{CE6ABB78-4FBA-43B9-8ECE-65353FBA2DF2}" type="datetime1">
               <a:rPr kumimoji="1" lang="ja-JP" altLang="en-US" smtClean="0"/>
               <a:t>2021/5/28</a:t>
             </a:fld>
@@ -3244,7 +3244,7 @@
             </a:lvl1pPr>
           </a:lstStyle>
           <a:p>
-            <a:fld id="{3B3589A1-A792-4BF6-B490-E826193AAA7C}" type="datetime1">
+            <a:fld id="{25B2B056-B4AA-4D55-9226-508BBA0DE7B1}" type="datetime1">
               <a:rPr kumimoji="1" lang="ja-JP" altLang="en-US" smtClean="0"/>
               <a:t>2021/5/28</a:t>
             </a:fld>
@@ -3736,10 +3736,10 @@
           <a:lstStyle/>
           <a:p>
             <a:fld id="{77022724-7A88-4190-89E1-23935288E045}" type="slidenum">
-              <a:rPr kumimoji="1" lang="ja-JP" altLang="en-US" smtClean="0"/>
+              <a:rPr kumimoji="1" lang="ja-JP" altLang="en-US" sz="2400" smtClean="0"/>
               <a:t>1</a:t>
             </a:fld>
-            <a:endParaRPr kumimoji="1" lang="ja-JP" altLang="en-US"/>
+            <a:endParaRPr kumimoji="1" lang="ja-JP" altLang="en-US" sz="2400" dirty="0"/>
           </a:p>
         </p:txBody>
       </p:sp>
@@ -3819,10 +3819,10 @@
           <a:lstStyle/>
           <a:p>
             <a:fld id="{4A32CB03-0843-4AF8-BFB2-C9917854BC7E}" type="slidenum">
-              <a:rPr kumimoji="1" lang="ja-JP" altLang="en-US" smtClean="0"/>
+              <a:rPr kumimoji="1" lang="ja-JP" altLang="en-US" sz="2400" smtClean="0"/>
               <a:t>2</a:t>
             </a:fld>
-            <a:endParaRPr kumimoji="1" lang="ja-JP" altLang="en-US"/>
+            <a:endParaRPr kumimoji="1" lang="ja-JP" altLang="en-US" sz="2400" dirty="0"/>
           </a:p>
         </p:txBody>
       </p:sp>
@@ -4021,10 +4021,10 @@
           <a:lstStyle/>
           <a:p>
             <a:fld id="{4A32CB03-0843-4AF8-BFB2-C9917854BC7E}" type="slidenum">
-              <a:rPr kumimoji="1" lang="ja-JP" altLang="en-US" smtClean="0"/>
+              <a:rPr kumimoji="1" lang="ja-JP" altLang="en-US" sz="2400" smtClean="0"/>
               <a:t>3</a:t>
             </a:fld>
-            <a:endParaRPr kumimoji="1" lang="ja-JP" altLang="en-US"/>
+            <a:endParaRPr kumimoji="1" lang="ja-JP" altLang="en-US" sz="2400" dirty="0"/>
           </a:p>
         </p:txBody>
       </p:sp>
@@ -4181,10 +4181,10 @@
           <a:lstStyle/>
           <a:p>
             <a:fld id="{010A43D1-8C5F-4BB5-96AD-6A66B588192F}" type="slidenum">
-              <a:rPr kumimoji="1" lang="ja-JP" altLang="en-US" smtClean="0"/>
+              <a:rPr kumimoji="1" lang="ja-JP" altLang="en-US" sz="2400" smtClean="0"/>
               <a:t>4</a:t>
             </a:fld>
-            <a:endParaRPr kumimoji="1" lang="ja-JP" altLang="en-US"/>
+            <a:endParaRPr kumimoji="1" lang="ja-JP" altLang="en-US" sz="2400" dirty="0"/>
           </a:p>
         </p:txBody>
       </p:sp>
@@ -4264,10 +4264,10 @@
           <a:lstStyle/>
           <a:p>
             <a:fld id="{4A32CB03-0843-4AF8-BFB2-C9917854BC7E}" type="slidenum">
-              <a:rPr kumimoji="1" lang="ja-JP" altLang="en-US" smtClean="0"/>
+              <a:rPr kumimoji="1" lang="ja-JP" altLang="en-US" sz="2400" smtClean="0"/>
               <a:t>5</a:t>
             </a:fld>
-            <a:endParaRPr kumimoji="1" lang="ja-JP" altLang="en-US"/>
+            <a:endParaRPr kumimoji="1" lang="ja-JP" altLang="en-US" sz="2400" dirty="0"/>
           </a:p>
         </p:txBody>
       </p:sp>
@@ -4287,7 +4287,7 @@
         </p:blipFill>
         <p:spPr>
           <a:xfrm>
-            <a:off x="523453" y="1826161"/>
+            <a:off x="531545" y="1518663"/>
             <a:ext cx="8346152" cy="4626546"/>
           </a:xfrm>
           <a:prstGeom prst="rect">
@@ -4507,10 +4507,10 @@
           <a:lstStyle/>
           <a:p>
             <a:fld id="{010A43D1-8C5F-4BB5-96AD-6A66B588192F}" type="slidenum">
-              <a:rPr kumimoji="1" lang="ja-JP" altLang="en-US" smtClean="0"/>
+              <a:rPr kumimoji="1" lang="ja-JP" altLang="en-US" sz="2400" smtClean="0"/>
               <a:t>6</a:t>
             </a:fld>
-            <a:endParaRPr kumimoji="1" lang="ja-JP" altLang="en-US"/>
+            <a:endParaRPr kumimoji="1" lang="ja-JP" altLang="en-US" sz="2400" dirty="0"/>
           </a:p>
         </p:txBody>
       </p:sp>
@@ -4695,10 +4695,10 @@
           <a:lstStyle/>
           <a:p>
             <a:fld id="{010A43D1-8C5F-4BB5-96AD-6A66B588192F}" type="slidenum">
-              <a:rPr kumimoji="1" lang="ja-JP" altLang="en-US" smtClean="0"/>
+              <a:rPr kumimoji="1" lang="ja-JP" altLang="en-US" sz="2400" smtClean="0"/>
               <a:t>7</a:t>
             </a:fld>
-            <a:endParaRPr kumimoji="1" lang="ja-JP" altLang="en-US"/>
+            <a:endParaRPr kumimoji="1" lang="ja-JP" altLang="en-US" sz="2400" dirty="0"/>
           </a:p>
         </p:txBody>
       </p:sp>
@@ -4873,10 +4873,10 @@
           <a:lstStyle/>
           <a:p>
             <a:fld id="{4A32CB03-0843-4AF8-BFB2-C9917854BC7E}" type="slidenum">
-              <a:rPr kumimoji="1" lang="ja-JP" altLang="en-US" smtClean="0"/>
+              <a:rPr kumimoji="1" lang="ja-JP" altLang="en-US" sz="2400" smtClean="0"/>
               <a:t>8</a:t>
             </a:fld>
-            <a:endParaRPr kumimoji="1" lang="ja-JP" altLang="en-US"/>
+            <a:endParaRPr kumimoji="1" lang="ja-JP" altLang="en-US" sz="2400" dirty="0"/>
           </a:p>
         </p:txBody>
       </p:sp>
